--- a/Windows_Installation.pptx
+++ b/Windows_Installation.pptx
@@ -8508,7 +8508,7 @@
   <dgm:whole/>
   <dgm:extLst>
     <a:ext uri="http://schemas.microsoft.com/office/drawing/2008/diagram">
-      <dsp:dataModelExt xmlns:dsp="http://schemas.microsoft.com/office/drawing/2008/diagram" relId="rId7" minVer="http://schemas.openxmlformats.org/drawingml/2006/diagram"/>
+      <dsp:dataModelExt xmlns:dsp="http://schemas.microsoft.com/office/drawing/2008/diagram" relId="rId8" minVer="http://schemas.openxmlformats.org/drawingml/2006/diagram"/>
     </a:ext>
   </dgm:extLst>
 </dgm:dataModel>
@@ -8868,7 +8868,7 @@
   <dgm:whole/>
   <dgm:extLst>
     <a:ext uri="http://schemas.microsoft.com/office/drawing/2008/diagram">
-      <dsp:dataModelExt xmlns:dsp="http://schemas.microsoft.com/office/drawing/2008/diagram" relId="rId6" minVer="http://schemas.openxmlformats.org/drawingml/2006/diagram"/>
+      <dsp:dataModelExt xmlns:dsp="http://schemas.microsoft.com/office/drawing/2008/diagram" relId="rId7" minVer="http://schemas.openxmlformats.org/drawingml/2006/diagram"/>
     </a:ext>
   </dgm:extLst>
 </dgm:dataModel>
@@ -9400,7 +9400,7 @@
   <dgm:whole/>
   <dgm:extLst>
     <a:ext uri="http://schemas.microsoft.com/office/drawing/2008/diagram">
-      <dsp:dataModelExt xmlns:dsp="http://schemas.microsoft.com/office/drawing/2008/diagram" relId="rId6" minVer="http://schemas.openxmlformats.org/drawingml/2006/diagram"/>
+      <dsp:dataModelExt xmlns:dsp="http://schemas.microsoft.com/office/drawing/2008/diagram" relId="rId7" minVer="http://schemas.openxmlformats.org/drawingml/2006/diagram"/>
     </a:ext>
   </dgm:extLst>
 </dgm:dataModel>
@@ -9733,7 +9733,7 @@
   <dgm:whole/>
   <dgm:extLst>
     <a:ext uri="http://schemas.microsoft.com/office/drawing/2008/diagram">
-      <dsp:dataModelExt xmlns:dsp="http://schemas.microsoft.com/office/drawing/2008/diagram" relId="rId6" minVer="http://schemas.openxmlformats.org/drawingml/2006/diagram"/>
+      <dsp:dataModelExt xmlns:dsp="http://schemas.microsoft.com/office/drawing/2008/diagram" relId="rId7" minVer="http://schemas.openxmlformats.org/drawingml/2006/diagram"/>
     </a:ext>
   </dgm:extLst>
 </dgm:dataModel>
@@ -32496,15 +32496,183 @@
         </p:xfrm>
         <a:graphic>
           <a:graphicData uri="http://schemas.openxmlformats.org/drawingml/2006/diagram">
-            <dgm:relIds xmlns:dgm="http://schemas.openxmlformats.org/drawingml/2006/diagram" xmlns:r="http://schemas.openxmlformats.org/officeDocument/2006/relationships" r:dm="rId2" r:lo="rId3" r:qs="rId4" r:cs="rId5"/>
+            <dgm:relIds xmlns:dgm="http://schemas.openxmlformats.org/drawingml/2006/diagram" xmlns:r="http://schemas.openxmlformats.org/officeDocument/2006/relationships" r:dm="rId3" r:lo="rId4" r:qs="rId5" r:cs="rId6"/>
           </a:graphicData>
         </a:graphic>
       </p:graphicFrame>
+      <p:pic>
+        <p:nvPicPr>
+          <p:cNvPr id="3" name="Online Media 2" title="10 Minute Timer">
+            <a:hlinkClick r:id="" action="ppaction://media"/>
+            <a:extLst>
+              <a:ext uri="{FF2B5EF4-FFF2-40B4-BE49-F238E27FC236}">
+                <a16:creationId xmlns:a16="http://schemas.microsoft.com/office/drawing/2014/main" id="{CB24079C-E4FB-7B29-2F2F-CA72D7C3D514}"/>
+              </a:ext>
+            </a:extLst>
+          </p:cNvPr>
+          <p:cNvPicPr>
+            <a:picLocks noRot="1" noChangeAspect="1"/>
+          </p:cNvPicPr>
+          <p:nvPr>
+            <a:videoFile r:link="rId1"/>
+          </p:nvPr>
+        </p:nvPicPr>
+        <p:blipFill>
+          <a:blip r:embed="rId8"/>
+          <a:stretch>
+            <a:fillRect/>
+          </a:stretch>
+        </p:blipFill>
+        <p:spPr>
+          <a:xfrm>
+            <a:off x="9117860" y="58044"/>
+            <a:ext cx="3074140" cy="1736889"/>
+          </a:xfrm>
+          <a:prstGeom prst="rect">
+            <a:avLst/>
+          </a:prstGeom>
+        </p:spPr>
+      </p:pic>
     </p:spTree>
   </p:cSld>
   <p:clrMapOvr>
     <a:masterClrMapping/>
   </p:clrMapOvr>
+  <p:timing>
+    <p:tnLst>
+      <p:par>
+        <p:cTn id="1" dur="indefinite" restart="never" nodeType="tmRoot">
+          <p:childTnLst>
+            <p:seq concurrent="1" nextAc="seek">
+              <p:cTn id="2" dur="indefinite" nodeType="mainSeq">
+                <p:childTnLst>
+                  <p:par>
+                    <p:cTn id="3" fill="hold">
+                      <p:stCondLst>
+                        <p:cond delay="indefinite"/>
+                      </p:stCondLst>
+                      <p:childTnLst>
+                        <p:par>
+                          <p:cTn id="4" fill="hold">
+                            <p:stCondLst>
+                              <p:cond delay="0"/>
+                            </p:stCondLst>
+                            <p:childTnLst>
+                              <p:par>
+                                <p:cTn id="5" presetID="1" presetClass="mediacall" presetSubtype="0" fill="hold" nodeType="clickEffect">
+                                  <p:stCondLst>
+                                    <p:cond delay="0"/>
+                                  </p:stCondLst>
+                                  <p:childTnLst>
+                                    <p:cmd type="call" cmd="playFrom(0.0)">
+                                      <p:cBhvr>
+                                        <p:cTn id="6" dur="1" fill="hold"/>
+                                        <p:tgtEl>
+                                          <p:spTgt spid="3"/>
+                                        </p:tgtEl>
+                                      </p:cBhvr>
+                                    </p:cmd>
+                                  </p:childTnLst>
+                                </p:cTn>
+                              </p:par>
+                            </p:childTnLst>
+                          </p:cTn>
+                        </p:par>
+                      </p:childTnLst>
+                    </p:cTn>
+                  </p:par>
+                </p:childTnLst>
+              </p:cTn>
+              <p:prevCondLst>
+                <p:cond evt="onPrev" delay="0">
+                  <p:tgtEl>
+                    <p:sldTgt/>
+                  </p:tgtEl>
+                </p:cond>
+              </p:prevCondLst>
+              <p:nextCondLst>
+                <p:cond evt="onNext" delay="0">
+                  <p:tgtEl>
+                    <p:sldTgt/>
+                  </p:tgtEl>
+                </p:cond>
+              </p:nextCondLst>
+            </p:seq>
+            <p:seq concurrent="1" nextAc="seek">
+              <p:cTn id="7" restart="whenNotActive" fill="hold" evtFilter="cancelBubble" nodeType="interactiveSeq">
+                <p:stCondLst>
+                  <p:cond evt="onClick" delay="0">
+                    <p:tgtEl>
+                      <p:spTgt spid="3"/>
+                    </p:tgtEl>
+                  </p:cond>
+                </p:stCondLst>
+                <p:endSync evt="end" delay="0">
+                  <p:rtn val="all"/>
+                </p:endSync>
+                <p:childTnLst>
+                  <p:par>
+                    <p:cTn id="8" fill="hold">
+                      <p:stCondLst>
+                        <p:cond delay="0"/>
+                      </p:stCondLst>
+                      <p:childTnLst>
+                        <p:par>
+                          <p:cTn id="9" fill="hold">
+                            <p:stCondLst>
+                              <p:cond delay="0"/>
+                            </p:stCondLst>
+                            <p:childTnLst>
+                              <p:par>
+                                <p:cTn id="10" presetID="2" presetClass="mediacall" presetSubtype="0" fill="hold" nodeType="clickEffect">
+                                  <p:stCondLst>
+                                    <p:cond delay="0"/>
+                                  </p:stCondLst>
+                                  <p:childTnLst>
+                                    <p:cmd type="call" cmd="togglePause">
+                                      <p:cBhvr>
+                                        <p:cTn id="11" dur="1" fill="hold"/>
+                                        <p:tgtEl>
+                                          <p:spTgt spid="3"/>
+                                        </p:tgtEl>
+                                      </p:cBhvr>
+                                    </p:cmd>
+                                  </p:childTnLst>
+                                </p:cTn>
+                              </p:par>
+                            </p:childTnLst>
+                          </p:cTn>
+                        </p:par>
+                      </p:childTnLst>
+                    </p:cTn>
+                  </p:par>
+                </p:childTnLst>
+              </p:cTn>
+              <p:nextCondLst>
+                <p:cond evt="onClick" delay="0">
+                  <p:tgtEl>
+                    <p:spTgt spid="3"/>
+                  </p:tgtEl>
+                </p:cond>
+              </p:nextCondLst>
+            </p:seq>
+            <p:video>
+              <p:cMediaNode vol="80000">
+                <p:cTn id="12" fill="hold" display="0">
+                  <p:stCondLst>
+                    <p:cond delay="indefinite"/>
+                  </p:stCondLst>
+                </p:cTn>
+                <p:tgtEl>
+                  <p:spTgt spid="3"/>
+                </p:tgtEl>
+              </p:cMediaNode>
+            </p:video>
+          </p:childTnLst>
+        </p:cTn>
+      </p:par>
+    </p:tnLst>
+  </p:timing>
 </p:sld>
 </file>
 
@@ -32568,15 +32736,183 @@
         </p:xfrm>
         <a:graphic>
           <a:graphicData uri="http://schemas.openxmlformats.org/drawingml/2006/diagram">
-            <dgm:relIds xmlns:dgm="http://schemas.openxmlformats.org/drawingml/2006/diagram" xmlns:r="http://schemas.openxmlformats.org/officeDocument/2006/relationships" r:dm="rId2" r:lo="rId3" r:qs="rId4" r:cs="rId5"/>
+            <dgm:relIds xmlns:dgm="http://schemas.openxmlformats.org/drawingml/2006/diagram" xmlns:r="http://schemas.openxmlformats.org/officeDocument/2006/relationships" r:dm="rId3" r:lo="rId4" r:qs="rId5" r:cs="rId6"/>
           </a:graphicData>
         </a:graphic>
       </p:graphicFrame>
+      <p:pic>
+        <p:nvPicPr>
+          <p:cNvPr id="3" name="Online Media 2" title="10 Minute Timer">
+            <a:hlinkClick r:id="" action="ppaction://media"/>
+            <a:extLst>
+              <a:ext uri="{FF2B5EF4-FFF2-40B4-BE49-F238E27FC236}">
+                <a16:creationId xmlns:a16="http://schemas.microsoft.com/office/drawing/2014/main" id="{A8E8F8F8-097D-EB26-E1D3-DECA2107619A}"/>
+              </a:ext>
+            </a:extLst>
+          </p:cNvPr>
+          <p:cNvPicPr>
+            <a:picLocks noRot="1" noChangeAspect="1"/>
+          </p:cNvPicPr>
+          <p:nvPr>
+            <a:videoFile r:link="rId1"/>
+          </p:nvPr>
+        </p:nvPicPr>
+        <p:blipFill>
+          <a:blip r:embed="rId8"/>
+          <a:stretch>
+            <a:fillRect/>
+          </a:stretch>
+        </p:blipFill>
+        <p:spPr>
+          <a:xfrm>
+            <a:off x="9117860" y="0"/>
+            <a:ext cx="3074140" cy="1736889"/>
+          </a:xfrm>
+          <a:prstGeom prst="rect">
+            <a:avLst/>
+          </a:prstGeom>
+        </p:spPr>
+      </p:pic>
     </p:spTree>
   </p:cSld>
   <p:clrMapOvr>
     <a:masterClrMapping/>
   </p:clrMapOvr>
+  <p:timing>
+    <p:tnLst>
+      <p:par>
+        <p:cTn id="1" dur="indefinite" restart="never" nodeType="tmRoot">
+          <p:childTnLst>
+            <p:seq concurrent="1" nextAc="seek">
+              <p:cTn id="2" dur="indefinite" nodeType="mainSeq">
+                <p:childTnLst>
+                  <p:par>
+                    <p:cTn id="3" fill="hold">
+                      <p:stCondLst>
+                        <p:cond delay="indefinite"/>
+                      </p:stCondLst>
+                      <p:childTnLst>
+                        <p:par>
+                          <p:cTn id="4" fill="hold">
+                            <p:stCondLst>
+                              <p:cond delay="0"/>
+                            </p:stCondLst>
+                            <p:childTnLst>
+                              <p:par>
+                                <p:cTn id="5" presetID="1" presetClass="mediacall" presetSubtype="0" fill="hold" nodeType="clickEffect">
+                                  <p:stCondLst>
+                                    <p:cond delay="0"/>
+                                  </p:stCondLst>
+                                  <p:childTnLst>
+                                    <p:cmd type="call" cmd="playFrom(0.0)">
+                                      <p:cBhvr>
+                                        <p:cTn id="6" dur="1" fill="hold"/>
+                                        <p:tgtEl>
+                                          <p:spTgt spid="3"/>
+                                        </p:tgtEl>
+                                      </p:cBhvr>
+                                    </p:cmd>
+                                  </p:childTnLst>
+                                </p:cTn>
+                              </p:par>
+                            </p:childTnLst>
+                          </p:cTn>
+                        </p:par>
+                      </p:childTnLst>
+                    </p:cTn>
+                  </p:par>
+                </p:childTnLst>
+              </p:cTn>
+              <p:prevCondLst>
+                <p:cond evt="onPrev" delay="0">
+                  <p:tgtEl>
+                    <p:sldTgt/>
+                  </p:tgtEl>
+                </p:cond>
+              </p:prevCondLst>
+              <p:nextCondLst>
+                <p:cond evt="onNext" delay="0">
+                  <p:tgtEl>
+                    <p:sldTgt/>
+                  </p:tgtEl>
+                </p:cond>
+              </p:nextCondLst>
+            </p:seq>
+            <p:seq concurrent="1" nextAc="seek">
+              <p:cTn id="7" restart="whenNotActive" fill="hold" evtFilter="cancelBubble" nodeType="interactiveSeq">
+                <p:stCondLst>
+                  <p:cond evt="onClick" delay="0">
+                    <p:tgtEl>
+                      <p:spTgt spid="3"/>
+                    </p:tgtEl>
+                  </p:cond>
+                </p:stCondLst>
+                <p:endSync evt="end" delay="0">
+                  <p:rtn val="all"/>
+                </p:endSync>
+                <p:childTnLst>
+                  <p:par>
+                    <p:cTn id="8" fill="hold">
+                      <p:stCondLst>
+                        <p:cond delay="0"/>
+                      </p:stCondLst>
+                      <p:childTnLst>
+                        <p:par>
+                          <p:cTn id="9" fill="hold">
+                            <p:stCondLst>
+                              <p:cond delay="0"/>
+                            </p:stCondLst>
+                            <p:childTnLst>
+                              <p:par>
+                                <p:cTn id="10" presetID="2" presetClass="mediacall" presetSubtype="0" fill="hold" nodeType="clickEffect">
+                                  <p:stCondLst>
+                                    <p:cond delay="0"/>
+                                  </p:stCondLst>
+                                  <p:childTnLst>
+                                    <p:cmd type="call" cmd="togglePause">
+                                      <p:cBhvr>
+                                        <p:cTn id="11" dur="1" fill="hold"/>
+                                        <p:tgtEl>
+                                          <p:spTgt spid="3"/>
+                                        </p:tgtEl>
+                                      </p:cBhvr>
+                                    </p:cmd>
+                                  </p:childTnLst>
+                                </p:cTn>
+                              </p:par>
+                            </p:childTnLst>
+                          </p:cTn>
+                        </p:par>
+                      </p:childTnLst>
+                    </p:cTn>
+                  </p:par>
+                </p:childTnLst>
+              </p:cTn>
+              <p:nextCondLst>
+                <p:cond evt="onClick" delay="0">
+                  <p:tgtEl>
+                    <p:spTgt spid="3"/>
+                  </p:tgtEl>
+                </p:cond>
+              </p:nextCondLst>
+            </p:seq>
+            <p:video>
+              <p:cMediaNode vol="80000">
+                <p:cTn id="12" fill="hold" display="0">
+                  <p:stCondLst>
+                    <p:cond delay="indefinite"/>
+                  </p:stCondLst>
+                </p:cTn>
+                <p:tgtEl>
+                  <p:spTgt spid="3"/>
+                </p:tgtEl>
+              </p:cMediaNode>
+            </p:video>
+          </p:childTnLst>
+        </p:cTn>
+      </p:par>
+    </p:tnLst>
+  </p:timing>
 </p:sld>
 </file>
 
@@ -34841,7 +35177,7 @@
           </p:nvPr>
         </p:nvPicPr>
         <p:blipFill rotWithShape="1">
-          <a:blip r:embed="rId2">
+          <a:blip r:embed="rId3">
             <a:extLst>
               <a:ext uri="{28A0092B-C50C-407E-A947-70E740481C1C}">
                 <a14:useLocalDpi xmlns:a14="http://schemas.microsoft.com/office/drawing/2010/main" val="0"/>
@@ -34888,15 +35224,183 @@
         </p:xfrm>
         <a:graphic>
           <a:graphicData uri="http://schemas.openxmlformats.org/drawingml/2006/diagram">
-            <dgm:relIds xmlns:dgm="http://schemas.openxmlformats.org/drawingml/2006/diagram" xmlns:r="http://schemas.openxmlformats.org/officeDocument/2006/relationships" r:dm="rId3" r:lo="rId4" r:qs="rId5" r:cs="rId6"/>
+            <dgm:relIds xmlns:dgm="http://schemas.openxmlformats.org/drawingml/2006/diagram" xmlns:r="http://schemas.openxmlformats.org/officeDocument/2006/relationships" r:dm="rId4" r:lo="rId5" r:qs="rId6" r:cs="rId7"/>
           </a:graphicData>
         </a:graphic>
       </p:graphicFrame>
+      <p:pic>
+        <p:nvPicPr>
+          <p:cNvPr id="3" name="Online Media 2" title="20 Minute Timer">
+            <a:hlinkClick r:id="" action="ppaction://media"/>
+            <a:extLst>
+              <a:ext uri="{FF2B5EF4-FFF2-40B4-BE49-F238E27FC236}">
+                <a16:creationId xmlns:a16="http://schemas.microsoft.com/office/drawing/2014/main" id="{4141C8F4-298E-8ED3-7E5B-B0F90C9D7871}"/>
+              </a:ext>
+            </a:extLst>
+          </p:cNvPr>
+          <p:cNvPicPr>
+            <a:picLocks noRot="1" noChangeAspect="1"/>
+          </p:cNvPicPr>
+          <p:nvPr>
+            <a:videoFile r:link="rId1"/>
+          </p:nvPr>
+        </p:nvPicPr>
+        <p:blipFill>
+          <a:blip r:embed="rId9"/>
+          <a:stretch>
+            <a:fillRect/>
+          </a:stretch>
+        </p:blipFill>
+        <p:spPr>
+          <a:xfrm>
+            <a:off x="321870" y="4484218"/>
+            <a:ext cx="4080530" cy="2305499"/>
+          </a:xfrm>
+          <a:prstGeom prst="rect">
+            <a:avLst/>
+          </a:prstGeom>
+        </p:spPr>
+      </p:pic>
     </p:spTree>
   </p:cSld>
   <p:clrMapOvr>
     <a:masterClrMapping/>
   </p:clrMapOvr>
+  <p:timing>
+    <p:tnLst>
+      <p:par>
+        <p:cTn id="1" dur="indefinite" restart="never" nodeType="tmRoot">
+          <p:childTnLst>
+            <p:seq concurrent="1" nextAc="seek">
+              <p:cTn id="2" dur="indefinite" nodeType="mainSeq">
+                <p:childTnLst>
+                  <p:par>
+                    <p:cTn id="3" fill="hold">
+                      <p:stCondLst>
+                        <p:cond delay="indefinite"/>
+                      </p:stCondLst>
+                      <p:childTnLst>
+                        <p:par>
+                          <p:cTn id="4" fill="hold">
+                            <p:stCondLst>
+                              <p:cond delay="0"/>
+                            </p:stCondLst>
+                            <p:childTnLst>
+                              <p:par>
+                                <p:cTn id="5" presetID="1" presetClass="mediacall" presetSubtype="0" fill="hold" nodeType="clickEffect">
+                                  <p:stCondLst>
+                                    <p:cond delay="0"/>
+                                  </p:stCondLst>
+                                  <p:childTnLst>
+                                    <p:cmd type="call" cmd="playFrom(0.0)">
+                                      <p:cBhvr>
+                                        <p:cTn id="6" dur="1" fill="hold"/>
+                                        <p:tgtEl>
+                                          <p:spTgt spid="3"/>
+                                        </p:tgtEl>
+                                      </p:cBhvr>
+                                    </p:cmd>
+                                  </p:childTnLst>
+                                </p:cTn>
+                              </p:par>
+                            </p:childTnLst>
+                          </p:cTn>
+                        </p:par>
+                      </p:childTnLst>
+                    </p:cTn>
+                  </p:par>
+                </p:childTnLst>
+              </p:cTn>
+              <p:prevCondLst>
+                <p:cond evt="onPrev" delay="0">
+                  <p:tgtEl>
+                    <p:sldTgt/>
+                  </p:tgtEl>
+                </p:cond>
+              </p:prevCondLst>
+              <p:nextCondLst>
+                <p:cond evt="onNext" delay="0">
+                  <p:tgtEl>
+                    <p:sldTgt/>
+                  </p:tgtEl>
+                </p:cond>
+              </p:nextCondLst>
+            </p:seq>
+            <p:video>
+              <p:cMediaNode vol="80000">
+                <p:cTn id="7" fill="hold" display="0">
+                  <p:stCondLst>
+                    <p:cond delay="indefinite"/>
+                  </p:stCondLst>
+                </p:cTn>
+                <p:tgtEl>
+                  <p:spTgt spid="3"/>
+                </p:tgtEl>
+              </p:cMediaNode>
+            </p:video>
+            <p:seq concurrent="1" nextAc="seek">
+              <p:cTn id="8" restart="whenNotActive" fill="hold" evtFilter="cancelBubble" nodeType="interactiveSeq">
+                <p:stCondLst>
+                  <p:cond evt="onClick" delay="0">
+                    <p:tgtEl>
+                      <p:spTgt spid="3"/>
+                    </p:tgtEl>
+                  </p:cond>
+                </p:stCondLst>
+                <p:endSync evt="end" delay="0">
+                  <p:rtn val="all"/>
+                </p:endSync>
+                <p:childTnLst>
+                  <p:par>
+                    <p:cTn id="9" fill="hold">
+                      <p:stCondLst>
+                        <p:cond delay="0"/>
+                      </p:stCondLst>
+                      <p:childTnLst>
+                        <p:par>
+                          <p:cTn id="10" fill="hold">
+                            <p:stCondLst>
+                              <p:cond delay="0"/>
+                            </p:stCondLst>
+                            <p:childTnLst>
+                              <p:par>
+                                <p:cTn id="11" presetID="2" presetClass="mediacall" presetSubtype="0" fill="hold" nodeType="clickEffect">
+                                  <p:stCondLst>
+                                    <p:cond delay="0"/>
+                                  </p:stCondLst>
+                                  <p:childTnLst>
+                                    <p:cmd type="call" cmd="togglePause">
+                                      <p:cBhvr>
+                                        <p:cTn id="12" dur="1" fill="hold"/>
+                                        <p:tgtEl>
+                                          <p:spTgt spid="3"/>
+                                        </p:tgtEl>
+                                      </p:cBhvr>
+                                    </p:cmd>
+                                  </p:childTnLst>
+                                </p:cTn>
+                              </p:par>
+                            </p:childTnLst>
+                          </p:cTn>
+                        </p:par>
+                      </p:childTnLst>
+                    </p:cTn>
+                  </p:par>
+                </p:childTnLst>
+              </p:cTn>
+              <p:nextCondLst>
+                <p:cond evt="onClick" delay="0">
+                  <p:tgtEl>
+                    <p:spTgt spid="3"/>
+                  </p:tgtEl>
+                </p:cond>
+              </p:nextCondLst>
+            </p:seq>
+          </p:childTnLst>
+        </p:cTn>
+      </p:par>
+    </p:tnLst>
+  </p:timing>
 </p:sld>
 </file>
 
@@ -34994,15 +35498,183 @@
         </p:xfrm>
         <a:graphic>
           <a:graphicData uri="http://schemas.openxmlformats.org/drawingml/2006/diagram">
-            <dgm:relIds xmlns:dgm="http://schemas.openxmlformats.org/drawingml/2006/diagram" xmlns:r="http://schemas.openxmlformats.org/officeDocument/2006/relationships" r:dm="rId2" r:lo="rId3" r:qs="rId4" r:cs="rId5"/>
+            <dgm:relIds xmlns:dgm="http://schemas.openxmlformats.org/drawingml/2006/diagram" xmlns:r="http://schemas.openxmlformats.org/officeDocument/2006/relationships" r:dm="rId3" r:lo="rId4" r:qs="rId5" r:cs="rId6"/>
           </a:graphicData>
         </a:graphic>
       </p:graphicFrame>
+      <p:pic>
+        <p:nvPicPr>
+          <p:cNvPr id="3" name="Online Media 2" title="10 Minute Timer">
+            <a:hlinkClick r:id="" action="ppaction://media"/>
+            <a:extLst>
+              <a:ext uri="{FF2B5EF4-FFF2-40B4-BE49-F238E27FC236}">
+                <a16:creationId xmlns:a16="http://schemas.microsoft.com/office/drawing/2014/main" id="{90D03A8A-ACFD-5B38-6C8D-580DB0292A29}"/>
+              </a:ext>
+            </a:extLst>
+          </p:cNvPr>
+          <p:cNvPicPr>
+            <a:picLocks noRot="1" noChangeAspect="1"/>
+          </p:cNvPicPr>
+          <p:nvPr>
+            <a:videoFile r:link="rId1"/>
+          </p:nvPr>
+        </p:nvPicPr>
+        <p:blipFill>
+          <a:blip r:embed="rId8"/>
+          <a:stretch>
+            <a:fillRect/>
+          </a:stretch>
+        </p:blipFill>
+        <p:spPr>
+          <a:xfrm>
+            <a:off x="9117860" y="58044"/>
+            <a:ext cx="3074140" cy="1736889"/>
+          </a:xfrm>
+          <a:prstGeom prst="rect">
+            <a:avLst/>
+          </a:prstGeom>
+        </p:spPr>
+      </p:pic>
     </p:spTree>
   </p:cSld>
   <p:clrMapOvr>
     <a:masterClrMapping/>
   </p:clrMapOvr>
+  <p:timing>
+    <p:tnLst>
+      <p:par>
+        <p:cTn id="1" dur="indefinite" restart="never" nodeType="tmRoot">
+          <p:childTnLst>
+            <p:seq concurrent="1" nextAc="seek">
+              <p:cTn id="2" dur="indefinite" nodeType="mainSeq">
+                <p:childTnLst>
+                  <p:par>
+                    <p:cTn id="3" fill="hold">
+                      <p:stCondLst>
+                        <p:cond delay="indefinite"/>
+                      </p:stCondLst>
+                      <p:childTnLst>
+                        <p:par>
+                          <p:cTn id="4" fill="hold">
+                            <p:stCondLst>
+                              <p:cond delay="0"/>
+                            </p:stCondLst>
+                            <p:childTnLst>
+                              <p:par>
+                                <p:cTn id="5" presetID="1" presetClass="mediacall" presetSubtype="0" fill="hold" nodeType="clickEffect">
+                                  <p:stCondLst>
+                                    <p:cond delay="0"/>
+                                  </p:stCondLst>
+                                  <p:childTnLst>
+                                    <p:cmd type="call" cmd="playFrom(0.0)">
+                                      <p:cBhvr>
+                                        <p:cTn id="6" dur="1" fill="hold"/>
+                                        <p:tgtEl>
+                                          <p:spTgt spid="3"/>
+                                        </p:tgtEl>
+                                      </p:cBhvr>
+                                    </p:cmd>
+                                  </p:childTnLst>
+                                </p:cTn>
+                              </p:par>
+                            </p:childTnLst>
+                          </p:cTn>
+                        </p:par>
+                      </p:childTnLst>
+                    </p:cTn>
+                  </p:par>
+                </p:childTnLst>
+              </p:cTn>
+              <p:prevCondLst>
+                <p:cond evt="onPrev" delay="0">
+                  <p:tgtEl>
+                    <p:sldTgt/>
+                  </p:tgtEl>
+                </p:cond>
+              </p:prevCondLst>
+              <p:nextCondLst>
+                <p:cond evt="onNext" delay="0">
+                  <p:tgtEl>
+                    <p:sldTgt/>
+                  </p:tgtEl>
+                </p:cond>
+              </p:nextCondLst>
+            </p:seq>
+            <p:video>
+              <p:cMediaNode vol="80000">
+                <p:cTn id="7" fill="hold" display="0">
+                  <p:stCondLst>
+                    <p:cond delay="indefinite"/>
+                  </p:stCondLst>
+                </p:cTn>
+                <p:tgtEl>
+                  <p:spTgt spid="3"/>
+                </p:tgtEl>
+              </p:cMediaNode>
+            </p:video>
+            <p:seq concurrent="1" nextAc="seek">
+              <p:cTn id="8" restart="whenNotActive" fill="hold" evtFilter="cancelBubble" nodeType="interactiveSeq">
+                <p:stCondLst>
+                  <p:cond evt="onClick" delay="0">
+                    <p:tgtEl>
+                      <p:spTgt spid="3"/>
+                    </p:tgtEl>
+                  </p:cond>
+                </p:stCondLst>
+                <p:endSync evt="end" delay="0">
+                  <p:rtn val="all"/>
+                </p:endSync>
+                <p:childTnLst>
+                  <p:par>
+                    <p:cTn id="9" fill="hold">
+                      <p:stCondLst>
+                        <p:cond delay="0"/>
+                      </p:stCondLst>
+                      <p:childTnLst>
+                        <p:par>
+                          <p:cTn id="10" fill="hold">
+                            <p:stCondLst>
+                              <p:cond delay="0"/>
+                            </p:stCondLst>
+                            <p:childTnLst>
+                              <p:par>
+                                <p:cTn id="11" presetID="2" presetClass="mediacall" presetSubtype="0" fill="hold" nodeType="clickEffect">
+                                  <p:stCondLst>
+                                    <p:cond delay="0"/>
+                                  </p:stCondLst>
+                                  <p:childTnLst>
+                                    <p:cmd type="call" cmd="togglePause">
+                                      <p:cBhvr>
+                                        <p:cTn id="12" dur="1" fill="hold"/>
+                                        <p:tgtEl>
+                                          <p:spTgt spid="3"/>
+                                        </p:tgtEl>
+                                      </p:cBhvr>
+                                    </p:cmd>
+                                  </p:childTnLst>
+                                </p:cTn>
+                              </p:par>
+                            </p:childTnLst>
+                          </p:cTn>
+                        </p:par>
+                      </p:childTnLst>
+                    </p:cTn>
+                  </p:par>
+                </p:childTnLst>
+              </p:cTn>
+              <p:nextCondLst>
+                <p:cond evt="onClick" delay="0">
+                  <p:tgtEl>
+                    <p:spTgt spid="3"/>
+                  </p:tgtEl>
+                </p:cond>
+              </p:nextCondLst>
+            </p:seq>
+          </p:childTnLst>
+        </p:cTn>
+      </p:par>
+    </p:tnLst>
+  </p:timing>
 </p:sld>
 </file>
 
@@ -35199,7 +35871,7 @@
           </p:nvPr>
         </p:nvPicPr>
         <p:blipFill rotWithShape="1">
-          <a:blip r:embed="rId2">
+          <a:blip r:embed="rId3">
             <a:extLst>
               <a:ext uri="{28A0092B-C50C-407E-A947-70E740481C1C}">
                 <a14:useLocalDpi xmlns:a14="http://schemas.microsoft.com/office/drawing/2010/main" val="0"/>
@@ -35340,7 +36012,7 @@
           </p:nvPr>
         </p:nvPicPr>
         <p:blipFill rotWithShape="1">
-          <a:blip r:embed="rId3">
+          <a:blip r:embed="rId4">
             <a:extLst>
               <a:ext uri="{28A0092B-C50C-407E-A947-70E740481C1C}">
                 <a14:useLocalDpi xmlns:a14="http://schemas.microsoft.com/office/drawing/2010/main" val="0"/>
@@ -35360,11 +36032,179 @@
           </a:prstGeom>
         </p:spPr>
       </p:pic>
+      <p:pic>
+        <p:nvPicPr>
+          <p:cNvPr id="3" name="Online Media 2" title="20 Minute Timer">
+            <a:hlinkClick r:id="" action="ppaction://media"/>
+            <a:extLst>
+              <a:ext uri="{FF2B5EF4-FFF2-40B4-BE49-F238E27FC236}">
+                <a16:creationId xmlns:a16="http://schemas.microsoft.com/office/drawing/2014/main" id="{B98A1DE5-A78E-3600-FC91-85139E409EE6}"/>
+              </a:ext>
+            </a:extLst>
+          </p:cNvPr>
+          <p:cNvPicPr>
+            <a:picLocks noRot="1" noChangeAspect="1"/>
+          </p:cNvPicPr>
+          <p:nvPr>
+            <a:videoFile r:link="rId1"/>
+          </p:nvPr>
+        </p:nvPicPr>
+        <p:blipFill>
+          <a:blip r:embed="rId5"/>
+          <a:stretch>
+            <a:fillRect/>
+          </a:stretch>
+        </p:blipFill>
+        <p:spPr>
+          <a:xfrm>
+            <a:off x="183213" y="4884314"/>
+            <a:ext cx="3301863" cy="1865552"/>
+          </a:xfrm>
+          <a:prstGeom prst="rect">
+            <a:avLst/>
+          </a:prstGeom>
+        </p:spPr>
+      </p:pic>
     </p:spTree>
   </p:cSld>
   <p:clrMapOvr>
     <a:masterClrMapping/>
   </p:clrMapOvr>
+  <p:timing>
+    <p:tnLst>
+      <p:par>
+        <p:cTn id="1" dur="indefinite" restart="never" nodeType="tmRoot">
+          <p:childTnLst>
+            <p:seq concurrent="1" nextAc="seek">
+              <p:cTn id="2" dur="indefinite" nodeType="mainSeq">
+                <p:childTnLst>
+                  <p:par>
+                    <p:cTn id="3" fill="hold">
+                      <p:stCondLst>
+                        <p:cond delay="indefinite"/>
+                      </p:stCondLst>
+                      <p:childTnLst>
+                        <p:par>
+                          <p:cTn id="4" fill="hold">
+                            <p:stCondLst>
+                              <p:cond delay="0"/>
+                            </p:stCondLst>
+                            <p:childTnLst>
+                              <p:par>
+                                <p:cTn id="5" presetID="1" presetClass="mediacall" presetSubtype="0" fill="hold" nodeType="clickEffect">
+                                  <p:stCondLst>
+                                    <p:cond delay="0"/>
+                                  </p:stCondLst>
+                                  <p:childTnLst>
+                                    <p:cmd type="call" cmd="playFrom(0.0)">
+                                      <p:cBhvr>
+                                        <p:cTn id="6" dur="1" fill="hold"/>
+                                        <p:tgtEl>
+                                          <p:spTgt spid="3"/>
+                                        </p:tgtEl>
+                                      </p:cBhvr>
+                                    </p:cmd>
+                                  </p:childTnLst>
+                                </p:cTn>
+                              </p:par>
+                            </p:childTnLst>
+                          </p:cTn>
+                        </p:par>
+                      </p:childTnLst>
+                    </p:cTn>
+                  </p:par>
+                </p:childTnLst>
+              </p:cTn>
+              <p:prevCondLst>
+                <p:cond evt="onPrev" delay="0">
+                  <p:tgtEl>
+                    <p:sldTgt/>
+                  </p:tgtEl>
+                </p:cond>
+              </p:prevCondLst>
+              <p:nextCondLst>
+                <p:cond evt="onNext" delay="0">
+                  <p:tgtEl>
+                    <p:sldTgt/>
+                  </p:tgtEl>
+                </p:cond>
+              </p:nextCondLst>
+            </p:seq>
+            <p:seq concurrent="1" nextAc="seek">
+              <p:cTn id="7" restart="whenNotActive" fill="hold" evtFilter="cancelBubble" nodeType="interactiveSeq">
+                <p:stCondLst>
+                  <p:cond evt="onClick" delay="0">
+                    <p:tgtEl>
+                      <p:spTgt spid="3"/>
+                    </p:tgtEl>
+                  </p:cond>
+                </p:stCondLst>
+                <p:endSync evt="end" delay="0">
+                  <p:rtn val="all"/>
+                </p:endSync>
+                <p:childTnLst>
+                  <p:par>
+                    <p:cTn id="8" fill="hold">
+                      <p:stCondLst>
+                        <p:cond delay="0"/>
+                      </p:stCondLst>
+                      <p:childTnLst>
+                        <p:par>
+                          <p:cTn id="9" fill="hold">
+                            <p:stCondLst>
+                              <p:cond delay="0"/>
+                            </p:stCondLst>
+                            <p:childTnLst>
+                              <p:par>
+                                <p:cTn id="10" presetID="2" presetClass="mediacall" presetSubtype="0" fill="hold" nodeType="clickEffect">
+                                  <p:stCondLst>
+                                    <p:cond delay="0"/>
+                                  </p:stCondLst>
+                                  <p:childTnLst>
+                                    <p:cmd type="call" cmd="togglePause">
+                                      <p:cBhvr>
+                                        <p:cTn id="11" dur="1" fill="hold"/>
+                                        <p:tgtEl>
+                                          <p:spTgt spid="3"/>
+                                        </p:tgtEl>
+                                      </p:cBhvr>
+                                    </p:cmd>
+                                  </p:childTnLst>
+                                </p:cTn>
+                              </p:par>
+                            </p:childTnLst>
+                          </p:cTn>
+                        </p:par>
+                      </p:childTnLst>
+                    </p:cTn>
+                  </p:par>
+                </p:childTnLst>
+              </p:cTn>
+              <p:nextCondLst>
+                <p:cond evt="onClick" delay="0">
+                  <p:tgtEl>
+                    <p:spTgt spid="3"/>
+                  </p:tgtEl>
+                </p:cond>
+              </p:nextCondLst>
+            </p:seq>
+            <p:video>
+              <p:cMediaNode vol="80000">
+                <p:cTn id="12" fill="hold" display="0">
+                  <p:stCondLst>
+                    <p:cond delay="indefinite"/>
+                  </p:stCondLst>
+                </p:cTn>
+                <p:tgtEl>
+                  <p:spTgt spid="3"/>
+                </p:tgtEl>
+              </p:cMediaNode>
+            </p:video>
+          </p:childTnLst>
+        </p:cTn>
+      </p:par>
+    </p:tnLst>
+  </p:timing>
 </p:sld>
 </file>
 
